--- a/Unit04/Live Session Unit 4 and BO.pptx
+++ b/Unit04/Live Session Unit 4 and BO.pptx
@@ -10,7 +10,7 @@
     <p:sldId id="257" r:id="rId4"/>
     <p:sldId id="261" r:id="rId5"/>
     <p:sldId id="263" r:id="rId6"/>
-    <p:sldId id="262" r:id="rId7"/>
+    <p:sldId id="272" r:id="rId7"/>
     <p:sldId id="266" r:id="rId8"/>
   </p:sldIdLst>
   <p:sldSz cx="9144000" cy="6858000" type="screen4x3"/>
@@ -249,7 +249,7 @@
           <a:p>
             <a:fld id="{4E223589-D1FE-5045-809F-56B69D3AD8BF}" type="datetimeFigureOut">
               <a:rPr lang="en-US" smtClean="0"/>
-              <a:t>5/28/19</a:t>
+              <a:t>9/17/19</a:t>
             </a:fld>
             <a:endParaRPr lang="en-US"/>
           </a:p>
@@ -419,7 +419,7 @@
           <a:p>
             <a:fld id="{4E223589-D1FE-5045-809F-56B69D3AD8BF}" type="datetimeFigureOut">
               <a:rPr lang="en-US" smtClean="0"/>
-              <a:t>5/28/19</a:t>
+              <a:t>9/17/19</a:t>
             </a:fld>
             <a:endParaRPr lang="en-US"/>
           </a:p>
@@ -599,7 +599,7 @@
           <a:p>
             <a:fld id="{4E223589-D1FE-5045-809F-56B69D3AD8BF}" type="datetimeFigureOut">
               <a:rPr lang="en-US" smtClean="0"/>
-              <a:t>5/28/19</a:t>
+              <a:t>9/17/19</a:t>
             </a:fld>
             <a:endParaRPr lang="en-US"/>
           </a:p>
@@ -769,7 +769,7 @@
           <a:p>
             <a:fld id="{4E223589-D1FE-5045-809F-56B69D3AD8BF}" type="datetimeFigureOut">
               <a:rPr lang="en-US" smtClean="0"/>
-              <a:t>5/28/19</a:t>
+              <a:t>9/17/19</a:t>
             </a:fld>
             <a:endParaRPr lang="en-US"/>
           </a:p>
@@ -1013,7 +1013,7 @@
           <a:p>
             <a:fld id="{4E223589-D1FE-5045-809F-56B69D3AD8BF}" type="datetimeFigureOut">
               <a:rPr lang="en-US" smtClean="0"/>
-              <a:t>5/28/19</a:t>
+              <a:t>9/17/19</a:t>
             </a:fld>
             <a:endParaRPr lang="en-US"/>
           </a:p>
@@ -1245,7 +1245,7 @@
           <a:p>
             <a:fld id="{4E223589-D1FE-5045-809F-56B69D3AD8BF}" type="datetimeFigureOut">
               <a:rPr lang="en-US" smtClean="0"/>
-              <a:t>5/28/19</a:t>
+              <a:t>9/17/19</a:t>
             </a:fld>
             <a:endParaRPr lang="en-US"/>
           </a:p>
@@ -1612,7 +1612,7 @@
           <a:p>
             <a:fld id="{4E223589-D1FE-5045-809F-56B69D3AD8BF}" type="datetimeFigureOut">
               <a:rPr lang="en-US" smtClean="0"/>
-              <a:t>5/28/19</a:t>
+              <a:t>9/17/19</a:t>
             </a:fld>
             <a:endParaRPr lang="en-US"/>
           </a:p>
@@ -1730,7 +1730,7 @@
           <a:p>
             <a:fld id="{4E223589-D1FE-5045-809F-56B69D3AD8BF}" type="datetimeFigureOut">
               <a:rPr lang="en-US" smtClean="0"/>
-              <a:t>5/28/19</a:t>
+              <a:t>9/17/19</a:t>
             </a:fld>
             <a:endParaRPr lang="en-US"/>
           </a:p>
@@ -1825,7 +1825,7 @@
           <a:p>
             <a:fld id="{4E223589-D1FE-5045-809F-56B69D3AD8BF}" type="datetimeFigureOut">
               <a:rPr lang="en-US" smtClean="0"/>
-              <a:t>5/28/19</a:t>
+              <a:t>9/17/19</a:t>
             </a:fld>
             <a:endParaRPr lang="en-US"/>
           </a:p>
@@ -2102,7 +2102,7 @@
           <a:p>
             <a:fld id="{4E223589-D1FE-5045-809F-56B69D3AD8BF}" type="datetimeFigureOut">
               <a:rPr lang="en-US" smtClean="0"/>
-              <a:t>5/28/19</a:t>
+              <a:t>9/17/19</a:t>
             </a:fld>
             <a:endParaRPr lang="en-US"/>
           </a:p>
@@ -2359,7 +2359,7 @@
           <a:p>
             <a:fld id="{4E223589-D1FE-5045-809F-56B69D3AD8BF}" type="datetimeFigureOut">
               <a:rPr lang="en-US" smtClean="0"/>
-              <a:t>5/28/19</a:t>
+              <a:t>9/17/19</a:t>
             </a:fld>
             <a:endParaRPr lang="en-US"/>
           </a:p>
@@ -2572,7 +2572,7 @@
           <a:p>
             <a:fld id="{4E223589-D1FE-5045-809F-56B69D3AD8BF}" type="datetimeFigureOut">
               <a:rPr lang="en-US" smtClean="0"/>
-              <a:t>5/28/19</a:t>
+              <a:t>9/17/19</a:t>
             </a:fld>
             <a:endParaRPr lang="en-US"/>
           </a:p>
@@ -3874,7 +3874,7 @@
         </p:nvSpPr>
         <p:spPr>
           <a:xfrm>
-            <a:off x="628650" y="1214648"/>
+            <a:off x="628650" y="1255592"/>
             <a:ext cx="7983087" cy="646331"/>
           </a:xfrm>
           <a:prstGeom prst="rect">
@@ -5329,10 +5329,52 @@
           </a:p>
         </p:txBody>
       </p:sp>
+      <p:sp>
+        <p:nvSpPr>
+          <p:cNvPr id="4" name="Rectangle 3">
+            <a:extLst>
+              <a:ext uri="{FF2B5EF4-FFF2-40B4-BE49-F238E27FC236}">
+                <a16:creationId xmlns:a16="http://schemas.microsoft.com/office/drawing/2014/main" id="{C6B52466-E96C-0C4E-8C17-7AE7FA9381AB}"/>
+              </a:ext>
+            </a:extLst>
+          </p:cNvPr>
+          <p:cNvSpPr/>
+          <p:nvPr/>
+        </p:nvSpPr>
+        <p:spPr>
+          <a:xfrm>
+            <a:off x="1071080" y="4429296"/>
+            <a:ext cx="7001838" cy="646331"/>
+          </a:xfrm>
+          <a:prstGeom prst="rect">
+            <a:avLst/>
+          </a:prstGeom>
+        </p:spPr>
+        <p:txBody>
+          <a:bodyPr wrap="square">
+            <a:spAutoFit/>
+          </a:bodyPr>
+          <a:lstStyle/>
+          <a:p>
+            <a:pPr algn="ctr"/>
+            <a:r>
+              <a:rPr lang="en-US" dirty="0"/>
+              <a:t>This might help:</a:t>
+            </a:r>
+          </a:p>
+          <a:p>
+            <a:pPr algn="ctr"/>
+            <a:r>
+              <a:rPr lang="en-US" dirty="0"/>
+              <a:t>c(.4295, .1769, .0358, .1454)</a:t>
+            </a:r>
+          </a:p>
+        </p:txBody>
+      </p:sp>
     </p:spTree>
     <p:extLst>
       <p:ext uri="{BB962C8B-B14F-4D97-AF65-F5344CB8AC3E}">
-        <p14:creationId xmlns:p14="http://schemas.microsoft.com/office/powerpoint/2010/main" val="2855750866"/>
+        <p14:creationId xmlns:p14="http://schemas.microsoft.com/office/powerpoint/2010/main" val="3984115250"/>
       </p:ext>
     </p:extLst>
   </p:cSld>
